--- a/Airline_Use_Case/Technical_Assessment_Airline_Yield_Management_System.pptx
+++ b/Airline_Use_Case/Technical_Assessment_Airline_Yield_Management_System.pptx
@@ -109,6 +109,11 @@
       </a:defRPr>
     </a:lvl9pPr>
   </p:defaultTextStyle>
+  <p:extLst>
+    <p:ext uri="{EFAFB233-063F-42B5-8137-9DF3F51BA10A}">
+      <p15:sldGuideLst xmlns:p15="http://schemas.microsoft.com/office/powerpoint/2012/main"/>
+    </p:ext>
+  </p:extLst>
 </p:presentation>
 </file>
 
@@ -620,7 +625,7 @@
           <a:p>
             <a:fld id="{00787A84-9124-4F65-B045-34F774C062D8}" type="datetimeFigureOut">
               <a:rPr lang="en-US" smtClean="0"/>
-              <a:t>7/30/2020</a:t>
+              <a:t>7/31/2020</a:t>
             </a:fld>
             <a:endParaRPr lang="en-US"/>
           </a:p>
@@ -1602,7 +1607,7 @@
           <a:p>
             <a:fld id="{00787A84-9124-4F65-B045-34F774C062D8}" type="datetimeFigureOut">
               <a:rPr lang="en-US" smtClean="0"/>
-              <a:t>7/30/2020</a:t>
+              <a:t>7/31/2020</a:t>
             </a:fld>
             <a:endParaRPr lang="en-US"/>
           </a:p>
@@ -2472,7 +2477,7 @@
           <a:p>
             <a:fld id="{00787A84-9124-4F65-B045-34F774C062D8}" type="datetimeFigureOut">
               <a:rPr lang="en-US" smtClean="0"/>
-              <a:t>7/30/2020</a:t>
+              <a:t>7/31/2020</a:t>
             </a:fld>
             <a:endParaRPr lang="en-US"/>
           </a:p>
@@ -3493,7 +3498,7 @@
           <a:p>
             <a:fld id="{00787A84-9124-4F65-B045-34F774C062D8}" type="datetimeFigureOut">
               <a:rPr lang="en-US" smtClean="0"/>
-              <a:t>7/30/2020</a:t>
+              <a:t>7/31/2020</a:t>
             </a:fld>
             <a:endParaRPr lang="en-US"/>
           </a:p>
@@ -4413,7 +4418,7 @@
           <a:p>
             <a:fld id="{00787A84-9124-4F65-B045-34F774C062D8}" type="datetimeFigureOut">
               <a:rPr lang="en-US" smtClean="0"/>
-              <a:t>7/30/2020</a:t>
+              <a:t>7/31/2020</a:t>
             </a:fld>
             <a:endParaRPr lang="en-US"/>
           </a:p>
@@ -5069,7 +5074,7 @@
           <a:p>
             <a:fld id="{00787A84-9124-4F65-B045-34F774C062D8}" type="datetimeFigureOut">
               <a:rPr lang="en-US" smtClean="0"/>
-              <a:t>7/30/2020</a:t>
+              <a:t>7/31/2020</a:t>
             </a:fld>
             <a:endParaRPr lang="en-US"/>
           </a:p>
@@ -5926,7 +5931,7 @@
           <a:p>
             <a:fld id="{00787A84-9124-4F65-B045-34F774C062D8}" type="datetimeFigureOut">
               <a:rPr lang="en-US" smtClean="0"/>
-              <a:t>7/30/2020</a:t>
+              <a:t>7/31/2020</a:t>
             </a:fld>
             <a:endParaRPr lang="en-US"/>
           </a:p>
@@ -6109,7 +6114,7 @@
           <a:p>
             <a:fld id="{00787A84-9124-4F65-B045-34F774C062D8}" type="datetimeFigureOut">
               <a:rPr lang="en-US" smtClean="0"/>
-              <a:t>7/30/2020</a:t>
+              <a:t>7/31/2020</a:t>
             </a:fld>
             <a:endParaRPr lang="en-US"/>
           </a:p>
@@ -6966,7 +6971,7 @@
           <a:p>
             <a:fld id="{00787A84-9124-4F65-B045-34F774C062D8}" type="datetimeFigureOut">
               <a:rPr lang="en-US" smtClean="0"/>
-              <a:t>7/30/2020</a:t>
+              <a:t>7/31/2020</a:t>
             </a:fld>
             <a:endParaRPr lang="en-US"/>
           </a:p>
@@ -7185,7 +7190,7 @@
           <a:p>
             <a:fld id="{00787A84-9124-4F65-B045-34F774C062D8}" type="datetimeFigureOut">
               <a:rPr lang="en-US" smtClean="0"/>
-              <a:t>7/30/2020</a:t>
+              <a:t>7/31/2020</a:t>
             </a:fld>
             <a:endParaRPr lang="en-US"/>
           </a:p>
@@ -8110,7 +8115,7 @@
           <a:p>
             <a:fld id="{00787A84-9124-4F65-B045-34F774C062D8}" type="datetimeFigureOut">
               <a:rPr lang="en-US" smtClean="0"/>
-              <a:t>7/30/2020</a:t>
+              <a:t>7/31/2020</a:t>
             </a:fld>
             <a:endParaRPr lang="en-US"/>
           </a:p>
@@ -8394,7 +8399,7 @@
           <a:p>
             <a:fld id="{00787A84-9124-4F65-B045-34F774C062D8}" type="datetimeFigureOut">
               <a:rPr lang="en-US" smtClean="0"/>
-              <a:t>7/30/2020</a:t>
+              <a:t>7/31/2020</a:t>
             </a:fld>
             <a:endParaRPr lang="en-US"/>
           </a:p>
@@ -8784,7 +8789,7 @@
           <a:p>
             <a:fld id="{00787A84-9124-4F65-B045-34F774C062D8}" type="datetimeFigureOut">
               <a:rPr lang="en-US" smtClean="0"/>
-              <a:t>7/30/2020</a:t>
+              <a:t>7/31/2020</a:t>
             </a:fld>
             <a:endParaRPr lang="en-US"/>
           </a:p>
@@ -8910,7 +8915,7 @@
           <a:p>
             <a:fld id="{00787A84-9124-4F65-B045-34F774C062D8}" type="datetimeFigureOut">
               <a:rPr lang="en-US" smtClean="0"/>
-              <a:t>7/30/2020</a:t>
+              <a:t>7/31/2020</a:t>
             </a:fld>
             <a:endParaRPr lang="en-US"/>
           </a:p>
@@ -9005,7 +9010,7 @@
           <a:p>
             <a:fld id="{00787A84-9124-4F65-B045-34F774C062D8}" type="datetimeFigureOut">
               <a:rPr lang="en-US" smtClean="0"/>
-              <a:t>7/30/2020</a:t>
+              <a:t>7/31/2020</a:t>
             </a:fld>
             <a:endParaRPr lang="en-US"/>
           </a:p>
@@ -9976,7 +9981,7 @@
           <a:p>
             <a:fld id="{00787A84-9124-4F65-B045-34F774C062D8}" type="datetimeFigureOut">
               <a:rPr lang="en-US" smtClean="0"/>
-              <a:t>7/30/2020</a:t>
+              <a:t>7/31/2020</a:t>
             </a:fld>
             <a:endParaRPr lang="en-US"/>
           </a:p>
@@ -10971,7 +10976,7 @@
           <a:p>
             <a:fld id="{00787A84-9124-4F65-B045-34F774C062D8}" type="datetimeFigureOut">
               <a:rPr lang="en-US" smtClean="0"/>
-              <a:t>7/30/2020</a:t>
+              <a:t>7/31/2020</a:t>
             </a:fld>
             <a:endParaRPr lang="en-US"/>
           </a:p>
@@ -11855,7 +11860,7 @@
           <a:p>
             <a:fld id="{00787A84-9124-4F65-B045-34F774C062D8}" type="datetimeFigureOut">
               <a:rPr lang="en-US" smtClean="0"/>
-              <a:t>7/30/2020</a:t>
+              <a:t>7/31/2020</a:t>
             </a:fld>
             <a:endParaRPr lang="en-US"/>
           </a:p>
@@ -12445,31 +12450,6 @@
           </a:p>
         </p:txBody>
       </p:sp>
-      <p:sp>
-        <p:nvSpPr>
-          <p:cNvPr id="3" name="Subtitle 2">
-            <a:extLst>
-              <a:ext uri="{FF2B5EF4-FFF2-40B4-BE49-F238E27FC236}">
-                <a16:creationId xmlns:a16="http://schemas.microsoft.com/office/drawing/2014/main" id="{0ABCBB3D-13F9-4BE4-BCF8-56F1714C0D07}"/>
-              </a:ext>
-            </a:extLst>
-          </p:cNvPr>
-          <p:cNvSpPr>
-            <a:spLocks noGrp="1"/>
-          </p:cNvSpPr>
-          <p:nvPr>
-            <p:ph type="subTitle" idx="1"/>
-          </p:nvPr>
-        </p:nvSpPr>
-        <p:spPr/>
-        <p:txBody>
-          <a:bodyPr/>
-          <a:lstStyle/>
-          <a:p>
-            <a:endParaRPr lang="en-US" dirty="0"/>
-          </a:p>
-        </p:txBody>
-      </p:sp>
     </p:spTree>
     <p:extLst>
       <p:ext uri="{BB962C8B-B14F-4D97-AF65-F5344CB8AC3E}">
@@ -12975,31 +12955,46 @@
           <a:p>
             <a:r>
               <a:rPr lang="en-US" dirty="0"/>
-              <a:t>As most of the data is categorical:</a:t>
+              <a:t>Linear Support Vector Machines.</a:t>
             </a:r>
           </a:p>
           <a:p>
             <a:r>
               <a:rPr lang="en-US" dirty="0"/>
-              <a:t>Decision Trees.</a:t>
+              <a:t>Logistic Regression.</a:t>
             </a:r>
           </a:p>
           <a:p>
             <a:r>
               <a:rPr lang="en-US" dirty="0"/>
-              <a:t>Random Forest - Robust and improves the predictive performance of the model.</a:t>
+              <a:t>Random Forest</a:t>
             </a:r>
           </a:p>
           <a:p>
             <a:r>
               <a:rPr lang="en-US" dirty="0"/>
-              <a:t>KNN.</a:t>
+              <a:t>Bernoulli Naïve Bayes.</a:t>
             </a:r>
           </a:p>
           <a:p>
             <a:r>
               <a:rPr lang="en-US" dirty="0"/>
-              <a:t>Naive Bayes.</a:t>
+              <a:t>Ridge Regression.</a:t>
+            </a:r>
+          </a:p>
+          <a:p>
+            <a:endParaRPr lang="en-US" dirty="0"/>
+          </a:p>
+          <a:p>
+            <a:r>
+              <a:rPr lang="en-US" dirty="0"/>
+              <a:t>Performance Metric:</a:t>
+            </a:r>
+          </a:p>
+          <a:p>
+            <a:r>
+              <a:rPr lang="en-US" dirty="0"/>
+              <a:t>F1-Score</a:t>
             </a:r>
           </a:p>
         </p:txBody>

--- a/Airline_Use_Case/Technical_Assessment_Airline_Yield_Management_System.pptx
+++ b/Airline_Use_Case/Technical_Assessment_Airline_Yield_Management_System.pptx
@@ -8,9 +8,12 @@
     <p:sldId id="256" r:id="rId2"/>
     <p:sldId id="257" r:id="rId3"/>
     <p:sldId id="258" r:id="rId4"/>
-    <p:sldId id="259" r:id="rId5"/>
-    <p:sldId id="260" r:id="rId6"/>
-    <p:sldId id="261" r:id="rId7"/>
+    <p:sldId id="263" r:id="rId5"/>
+    <p:sldId id="259" r:id="rId6"/>
+    <p:sldId id="262" r:id="rId7"/>
+    <p:sldId id="260" r:id="rId8"/>
+    <p:sldId id="264" r:id="rId9"/>
+    <p:sldId id="261" r:id="rId10"/>
   </p:sldIdLst>
   <p:sldSz cx="12192000" cy="6858000"/>
   <p:notesSz cx="6858000" cy="9144000"/>
@@ -625,7 +628,7 @@
           <a:p>
             <a:fld id="{00787A84-9124-4F65-B045-34F774C062D8}" type="datetimeFigureOut">
               <a:rPr lang="en-US" smtClean="0"/>
-              <a:t>7/31/2020</a:t>
+              <a:t>8/2/2020</a:t>
             </a:fld>
             <a:endParaRPr lang="en-US"/>
           </a:p>
@@ -1607,7 +1610,7 @@
           <a:p>
             <a:fld id="{00787A84-9124-4F65-B045-34F774C062D8}" type="datetimeFigureOut">
               <a:rPr lang="en-US" smtClean="0"/>
-              <a:t>7/31/2020</a:t>
+              <a:t>8/2/2020</a:t>
             </a:fld>
             <a:endParaRPr lang="en-US"/>
           </a:p>
@@ -2477,7 +2480,7 @@
           <a:p>
             <a:fld id="{00787A84-9124-4F65-B045-34F774C062D8}" type="datetimeFigureOut">
               <a:rPr lang="en-US" smtClean="0"/>
-              <a:t>7/31/2020</a:t>
+              <a:t>8/2/2020</a:t>
             </a:fld>
             <a:endParaRPr lang="en-US"/>
           </a:p>
@@ -3498,7 +3501,7 @@
           <a:p>
             <a:fld id="{00787A84-9124-4F65-B045-34F774C062D8}" type="datetimeFigureOut">
               <a:rPr lang="en-US" smtClean="0"/>
-              <a:t>7/31/2020</a:t>
+              <a:t>8/2/2020</a:t>
             </a:fld>
             <a:endParaRPr lang="en-US"/>
           </a:p>
@@ -4418,7 +4421,7 @@
           <a:p>
             <a:fld id="{00787A84-9124-4F65-B045-34F774C062D8}" type="datetimeFigureOut">
               <a:rPr lang="en-US" smtClean="0"/>
-              <a:t>7/31/2020</a:t>
+              <a:t>8/2/2020</a:t>
             </a:fld>
             <a:endParaRPr lang="en-US"/>
           </a:p>
@@ -5074,7 +5077,7 @@
           <a:p>
             <a:fld id="{00787A84-9124-4F65-B045-34F774C062D8}" type="datetimeFigureOut">
               <a:rPr lang="en-US" smtClean="0"/>
-              <a:t>7/31/2020</a:t>
+              <a:t>8/2/2020</a:t>
             </a:fld>
             <a:endParaRPr lang="en-US"/>
           </a:p>
@@ -5931,7 +5934,7 @@
           <a:p>
             <a:fld id="{00787A84-9124-4F65-B045-34F774C062D8}" type="datetimeFigureOut">
               <a:rPr lang="en-US" smtClean="0"/>
-              <a:t>7/31/2020</a:t>
+              <a:t>8/2/2020</a:t>
             </a:fld>
             <a:endParaRPr lang="en-US"/>
           </a:p>
@@ -6114,7 +6117,7 @@
           <a:p>
             <a:fld id="{00787A84-9124-4F65-B045-34F774C062D8}" type="datetimeFigureOut">
               <a:rPr lang="en-US" smtClean="0"/>
-              <a:t>7/31/2020</a:t>
+              <a:t>8/2/2020</a:t>
             </a:fld>
             <a:endParaRPr lang="en-US"/>
           </a:p>
@@ -6971,7 +6974,7 @@
           <a:p>
             <a:fld id="{00787A84-9124-4F65-B045-34F774C062D8}" type="datetimeFigureOut">
               <a:rPr lang="en-US" smtClean="0"/>
-              <a:t>7/31/2020</a:t>
+              <a:t>8/2/2020</a:t>
             </a:fld>
             <a:endParaRPr lang="en-US"/>
           </a:p>
@@ -7190,7 +7193,7 @@
           <a:p>
             <a:fld id="{00787A84-9124-4F65-B045-34F774C062D8}" type="datetimeFigureOut">
               <a:rPr lang="en-US" smtClean="0"/>
-              <a:t>7/31/2020</a:t>
+              <a:t>8/2/2020</a:t>
             </a:fld>
             <a:endParaRPr lang="en-US"/>
           </a:p>
@@ -8115,7 +8118,7 @@
           <a:p>
             <a:fld id="{00787A84-9124-4F65-B045-34F774C062D8}" type="datetimeFigureOut">
               <a:rPr lang="en-US" smtClean="0"/>
-              <a:t>7/31/2020</a:t>
+              <a:t>8/2/2020</a:t>
             </a:fld>
             <a:endParaRPr lang="en-US"/>
           </a:p>
@@ -8399,7 +8402,7 @@
           <a:p>
             <a:fld id="{00787A84-9124-4F65-B045-34F774C062D8}" type="datetimeFigureOut">
               <a:rPr lang="en-US" smtClean="0"/>
-              <a:t>7/31/2020</a:t>
+              <a:t>8/2/2020</a:t>
             </a:fld>
             <a:endParaRPr lang="en-US"/>
           </a:p>
@@ -8789,7 +8792,7 @@
           <a:p>
             <a:fld id="{00787A84-9124-4F65-B045-34F774C062D8}" type="datetimeFigureOut">
               <a:rPr lang="en-US" smtClean="0"/>
-              <a:t>7/31/2020</a:t>
+              <a:t>8/2/2020</a:t>
             </a:fld>
             <a:endParaRPr lang="en-US"/>
           </a:p>
@@ -8915,7 +8918,7 @@
           <a:p>
             <a:fld id="{00787A84-9124-4F65-B045-34F774C062D8}" type="datetimeFigureOut">
               <a:rPr lang="en-US" smtClean="0"/>
-              <a:t>7/31/2020</a:t>
+              <a:t>8/2/2020</a:t>
             </a:fld>
             <a:endParaRPr lang="en-US"/>
           </a:p>
@@ -9010,7 +9013,7 @@
           <a:p>
             <a:fld id="{00787A84-9124-4F65-B045-34F774C062D8}" type="datetimeFigureOut">
               <a:rPr lang="en-US" smtClean="0"/>
-              <a:t>7/31/2020</a:t>
+              <a:t>8/2/2020</a:t>
             </a:fld>
             <a:endParaRPr lang="en-US"/>
           </a:p>
@@ -9981,7 +9984,7 @@
           <a:p>
             <a:fld id="{00787A84-9124-4F65-B045-34F774C062D8}" type="datetimeFigureOut">
               <a:rPr lang="en-US" smtClean="0"/>
-              <a:t>7/31/2020</a:t>
+              <a:t>8/2/2020</a:t>
             </a:fld>
             <a:endParaRPr lang="en-US"/>
           </a:p>
@@ -10976,7 +10979,7 @@
           <a:p>
             <a:fld id="{00787A84-9124-4F65-B045-34F774C062D8}" type="datetimeFigureOut">
               <a:rPr lang="en-US" smtClean="0"/>
-              <a:t>7/31/2020</a:t>
+              <a:t>8/2/2020</a:t>
             </a:fld>
             <a:endParaRPr lang="en-US"/>
           </a:p>
@@ -11860,7 +11863,7 @@
           <a:p>
             <a:fld id="{00787A84-9124-4F65-B045-34F774C062D8}" type="datetimeFigureOut">
               <a:rPr lang="en-US" smtClean="0"/>
-              <a:t>7/31/2020</a:t>
+              <a:t>8/2/2020</a:t>
             </a:fld>
             <a:endParaRPr lang="en-US"/>
           </a:p>
@@ -12526,7 +12529,9 @@
         </p:nvSpPr>
         <p:spPr/>
         <p:txBody>
-          <a:bodyPr/>
+          <a:bodyPr>
+            <a:normAutofit lnSpcReduction="10000"/>
+          </a:bodyPr>
           <a:lstStyle/>
           <a:p>
             <a:pPr marL="0" indent="0">
@@ -12571,6 +12576,18 @@
             <a:r>
               <a:rPr lang="en-US" dirty="0"/>
               <a:t>Flight carrier.</a:t>
+            </a:r>
+          </a:p>
+          <a:p>
+            <a:r>
+              <a:rPr lang="en-US" dirty="0"/>
+              <a:t>Demand level.</a:t>
+            </a:r>
+          </a:p>
+          <a:p>
+            <a:r>
+              <a:rPr lang="en-US" dirty="0"/>
+              <a:t>Airline Fuel Cost.</a:t>
             </a:r>
           </a:p>
         </p:txBody>
@@ -12652,7 +12669,7 @@
         <p:spPr/>
         <p:txBody>
           <a:bodyPr>
-            <a:normAutofit fontScale="47500" lnSpcReduction="20000"/>
+            <a:noAutofit/>
           </a:bodyPr>
           <a:lstStyle/>
           <a:p>
@@ -12660,85 +12677,85 @@
               <a:buNone/>
             </a:pPr>
             <a:r>
-              <a:rPr lang="en-US" dirty="0"/>
+              <a:rPr lang="en-US" sz="1000" dirty="0"/>
               <a:t>Independent Variables:						Dependent Variable:</a:t>
             </a:r>
           </a:p>
           <a:p>
             <a:r>
-              <a:rPr lang="en-US" dirty="0"/>
+              <a:rPr lang="en-US" sz="1000" dirty="0"/>
               <a:t>Booking ID.(Integer)						Ticket price.(Integer)</a:t>
             </a:r>
           </a:p>
           <a:p>
             <a:r>
-              <a:rPr lang="en-US" dirty="0"/>
+              <a:rPr lang="en-US" sz="1000" dirty="0"/>
               <a:t>Day of Booking.(Categorical)</a:t>
             </a:r>
           </a:p>
           <a:p>
             <a:r>
-              <a:rPr lang="en-US" dirty="0"/>
+              <a:rPr lang="en-US" sz="1000" dirty="0"/>
               <a:t>Weekend.(Categorical)</a:t>
             </a:r>
           </a:p>
           <a:p>
             <a:r>
-              <a:rPr lang="en-US" dirty="0"/>
+              <a:rPr lang="en-US" sz="1000" dirty="0"/>
               <a:t>Festive/National day.(Categorical)</a:t>
             </a:r>
           </a:p>
           <a:p>
             <a:r>
-              <a:rPr lang="en-US" dirty="0"/>
+              <a:rPr lang="en-US" sz="1000" dirty="0"/>
               <a:t>Source.(Categorical)</a:t>
             </a:r>
           </a:p>
           <a:p>
             <a:r>
-              <a:rPr lang="en-US" dirty="0"/>
+              <a:rPr lang="en-US" sz="1000" dirty="0"/>
               <a:t>Destination.(Categorical)</a:t>
             </a:r>
           </a:p>
           <a:p>
             <a:r>
-              <a:rPr lang="en-US" dirty="0"/>
+              <a:rPr lang="en-US" sz="1000" dirty="0"/>
               <a:t>Distance.(Integer)</a:t>
             </a:r>
           </a:p>
           <a:p>
             <a:r>
-              <a:rPr lang="en-US" dirty="0"/>
+              <a:rPr lang="en-US" sz="1000" dirty="0"/>
               <a:t>Flight carrier.(Categorical)</a:t>
             </a:r>
           </a:p>
           <a:p>
             <a:r>
-              <a:rPr lang="en-US" dirty="0"/>
+              <a:rPr lang="en-US" sz="1000" dirty="0"/>
               <a:t>Departure time.(Timestamp)</a:t>
             </a:r>
           </a:p>
           <a:p>
             <a:r>
-              <a:rPr lang="en-US" dirty="0"/>
+              <a:rPr lang="en-US" sz="1000" dirty="0"/>
               <a:t>Arrival time.(Timestamp)</a:t>
             </a:r>
           </a:p>
           <a:p>
             <a:r>
-              <a:rPr lang="en-US" dirty="0"/>
+              <a:rPr lang="en-US" sz="1000" dirty="0"/>
               <a:t>Airplane Fuel Cost.(Integer)</a:t>
             </a:r>
           </a:p>
           <a:p>
             <a:r>
-              <a:rPr lang="en-US" dirty="0"/>
+              <a:rPr lang="en-US" sz="1000" dirty="0"/>
               <a:t>Demand level.(Categorical)</a:t>
             </a:r>
           </a:p>
           <a:p>
             <a:r>
-              <a:rPr lang="en-US" dirty="0"/>
+              <a:rPr lang="en-US" sz="1000" dirty="0"/>
               <a:t>Remaining seats.(Integer)</a:t>
             </a:r>
           </a:p>
@@ -12779,6 +12796,122 @@
           <p:cNvPr id="2" name="Title 1">
             <a:extLst>
               <a:ext uri="{FF2B5EF4-FFF2-40B4-BE49-F238E27FC236}">
+                <a16:creationId xmlns:a16="http://schemas.microsoft.com/office/drawing/2014/main" id="{120B5EDB-AAB3-483E-B28C-AEDCF52E1F22}"/>
+              </a:ext>
+            </a:extLst>
+          </p:cNvPr>
+          <p:cNvSpPr>
+            <a:spLocks noGrp="1"/>
+          </p:cNvSpPr>
+          <p:nvPr>
+            <p:ph type="title"/>
+          </p:nvPr>
+        </p:nvSpPr>
+        <p:spPr/>
+        <p:txBody>
+          <a:bodyPr/>
+          <a:lstStyle/>
+          <a:p>
+            <a:r>
+              <a:rPr lang="en-US" dirty="0"/>
+              <a:t>Assumptions</a:t>
+            </a:r>
+          </a:p>
+        </p:txBody>
+      </p:sp>
+      <p:sp>
+        <p:nvSpPr>
+          <p:cNvPr id="3" name="Content Placeholder 2">
+            <a:extLst>
+              <a:ext uri="{FF2B5EF4-FFF2-40B4-BE49-F238E27FC236}">
+                <a16:creationId xmlns:a16="http://schemas.microsoft.com/office/drawing/2014/main" id="{2A9287CF-D869-4385-936A-8D35605E8CDA}"/>
+              </a:ext>
+            </a:extLst>
+          </p:cNvPr>
+          <p:cNvSpPr>
+            <a:spLocks noGrp="1"/>
+          </p:cNvSpPr>
+          <p:nvPr>
+            <p:ph idx="1"/>
+          </p:nvPr>
+        </p:nvSpPr>
+        <p:spPr/>
+        <p:txBody>
+          <a:bodyPr/>
+          <a:lstStyle/>
+          <a:p>
+            <a:r>
+              <a:rPr lang="en-US" dirty="0"/>
+              <a:t>Linearity/Non-Linearity.</a:t>
+            </a:r>
+          </a:p>
+          <a:p>
+            <a:r>
+              <a:rPr lang="en-US" dirty="0"/>
+              <a:t>Sample Size.</a:t>
+            </a:r>
+          </a:p>
+          <a:p>
+            <a:r>
+              <a:rPr lang="en-US" dirty="0"/>
+              <a:t>Data distribution.</a:t>
+            </a:r>
+          </a:p>
+          <a:p>
+            <a:r>
+              <a:rPr lang="en-US" dirty="0"/>
+              <a:t>Presence of Outliers.</a:t>
+            </a:r>
+          </a:p>
+          <a:p>
+            <a:r>
+              <a:rPr lang="en-US" dirty="0"/>
+              <a:t>Multicollinearity.</a:t>
+            </a:r>
+          </a:p>
+          <a:p>
+            <a:endParaRPr lang="en-US" dirty="0"/>
+          </a:p>
+          <a:p>
+            <a:endParaRPr lang="en-US" dirty="0"/>
+          </a:p>
+        </p:txBody>
+      </p:sp>
+    </p:spTree>
+    <p:extLst>
+      <p:ext uri="{BB962C8B-B14F-4D97-AF65-F5344CB8AC3E}">
+        <p14:creationId xmlns:p14="http://schemas.microsoft.com/office/powerpoint/2010/main" val="1006418941"/>
+      </p:ext>
+    </p:extLst>
+  </p:cSld>
+  <p:clrMapOvr>
+    <a:masterClrMapping/>
+  </p:clrMapOvr>
+</p:sld>
+</file>
+
+<file path=ppt/slides/slide5.xml><?xml version="1.0" encoding="utf-8"?>
+<p:sld xmlns:a="http://schemas.openxmlformats.org/drawingml/2006/main" xmlns:r="http://schemas.openxmlformats.org/officeDocument/2006/relationships" xmlns:p="http://schemas.openxmlformats.org/presentationml/2006/main">
+  <p:cSld>
+    <p:spTree>
+      <p:nvGrpSpPr>
+        <p:cNvPr id="1" name=""/>
+        <p:cNvGrpSpPr/>
+        <p:nvPr/>
+      </p:nvGrpSpPr>
+      <p:grpSpPr>
+        <a:xfrm>
+          <a:off x="0" y="0"/>
+          <a:ext cx="0" cy="0"/>
+          <a:chOff x="0" y="0"/>
+          <a:chExt cx="0" cy="0"/>
+        </a:xfrm>
+      </p:grpSpPr>
+      <p:sp>
+        <p:nvSpPr>
+          <p:cNvPr id="2" name="Title 1">
+            <a:extLst>
+              <a:ext uri="{FF2B5EF4-FFF2-40B4-BE49-F238E27FC236}">
                 <a16:creationId xmlns:a16="http://schemas.microsoft.com/office/drawing/2014/main" id="{58340BD1-019B-48A6-9D9D-09CAB88394C4}"/>
               </a:ext>
             </a:extLst>
@@ -12887,7 +13020,125 @@
 </p:sld>
 </file>
 
-<file path=ppt/slides/slide5.xml><?xml version="1.0" encoding="utf-8"?>
+<file path=ppt/slides/slide6.xml><?xml version="1.0" encoding="utf-8"?>
+<p:sld xmlns:a="http://schemas.openxmlformats.org/drawingml/2006/main" xmlns:r="http://schemas.openxmlformats.org/officeDocument/2006/relationships" xmlns:p="http://schemas.openxmlformats.org/presentationml/2006/main">
+  <p:cSld>
+    <p:spTree>
+      <p:nvGrpSpPr>
+        <p:cNvPr id="1" name=""/>
+        <p:cNvGrpSpPr/>
+        <p:nvPr/>
+      </p:nvGrpSpPr>
+      <p:grpSpPr>
+        <a:xfrm>
+          <a:off x="0" y="0"/>
+          <a:ext cx="0" cy="0"/>
+          <a:chOff x="0" y="0"/>
+          <a:chExt cx="0" cy="0"/>
+        </a:xfrm>
+      </p:grpSpPr>
+      <p:sp>
+        <p:nvSpPr>
+          <p:cNvPr id="2" name="Title 1">
+            <a:extLst>
+              <a:ext uri="{FF2B5EF4-FFF2-40B4-BE49-F238E27FC236}">
+                <a16:creationId xmlns:a16="http://schemas.microsoft.com/office/drawing/2014/main" id="{53C119C5-35F1-456A-802B-A32651597AA3}"/>
+              </a:ext>
+            </a:extLst>
+          </p:cNvPr>
+          <p:cNvSpPr>
+            <a:spLocks noGrp="1"/>
+          </p:cNvSpPr>
+          <p:nvPr>
+            <p:ph type="title"/>
+          </p:nvPr>
+        </p:nvSpPr>
+        <p:spPr/>
+        <p:txBody>
+          <a:bodyPr/>
+          <a:lstStyle/>
+          <a:p>
+            <a:r>
+              <a:rPr lang="en-US" dirty="0"/>
+              <a:t>Approach</a:t>
+            </a:r>
+          </a:p>
+        </p:txBody>
+      </p:sp>
+      <p:sp>
+        <p:nvSpPr>
+          <p:cNvPr id="3" name="Content Placeholder 2">
+            <a:extLst>
+              <a:ext uri="{FF2B5EF4-FFF2-40B4-BE49-F238E27FC236}">
+                <a16:creationId xmlns:a16="http://schemas.microsoft.com/office/drawing/2014/main" id="{12BC6100-8BB5-4E57-8504-E9E6DE8AE644}"/>
+              </a:ext>
+            </a:extLst>
+          </p:cNvPr>
+          <p:cNvSpPr>
+            <a:spLocks noGrp="1"/>
+          </p:cNvSpPr>
+          <p:nvPr>
+            <p:ph idx="1"/>
+          </p:nvPr>
+        </p:nvSpPr>
+        <p:spPr/>
+        <p:txBody>
+          <a:bodyPr>
+            <a:normAutofit fontScale="92500" lnSpcReduction="20000"/>
+          </a:bodyPr>
+          <a:lstStyle/>
+          <a:p>
+            <a:r>
+              <a:rPr lang="en-US" dirty="0"/>
+              <a:t>Collect the data.</a:t>
+            </a:r>
+          </a:p>
+          <a:p>
+            <a:r>
+              <a:rPr lang="en-US" dirty="0"/>
+              <a:t>Descriptive Analysis: Perform descriptive analysis, checking datatypes of different variables, checking amount of data, finding missing values in data, cleaning data identifying unique values and distribution of various classes in categorical data.</a:t>
+            </a:r>
+          </a:p>
+          <a:p>
+            <a:r>
+              <a:rPr lang="en-US" dirty="0"/>
+              <a:t>Data Visualization: Visualize the relationship between different continuous and categorical variables to discovers new insights and patterns in the data.</a:t>
+            </a:r>
+          </a:p>
+          <a:p>
+            <a:r>
+              <a:rPr lang="en-US" dirty="0"/>
+              <a:t>Perform Feature Encoding, Feature Selection or Feature Standardization in order to make it suitable for Modelling.</a:t>
+            </a:r>
+          </a:p>
+          <a:p>
+            <a:r>
+              <a:rPr lang="en-US" dirty="0"/>
+              <a:t>Perform Modelling using various ML algorithms in order to measure their performance.</a:t>
+            </a:r>
+          </a:p>
+          <a:p>
+            <a:r>
+              <a:rPr lang="en-US" dirty="0"/>
+              <a:t>Using best ML models to make predictions on unseen data.</a:t>
+            </a:r>
+          </a:p>
+        </p:txBody>
+      </p:sp>
+    </p:spTree>
+    <p:extLst>
+      <p:ext uri="{BB962C8B-B14F-4D97-AF65-F5344CB8AC3E}">
+        <p14:creationId xmlns:p14="http://schemas.microsoft.com/office/powerpoint/2010/main" val="1283046951"/>
+      </p:ext>
+    </p:extLst>
+  </p:cSld>
+  <p:clrMapOvr>
+    <a:masterClrMapping/>
+  </p:clrMapOvr>
+</p:sld>
+</file>
+
+<file path=ppt/slides/slide7.xml><?xml version="1.0" encoding="utf-8"?>
 <p:sld xmlns:a="http://schemas.openxmlformats.org/drawingml/2006/main" xmlns:r="http://schemas.openxmlformats.org/officeDocument/2006/relationships" xmlns:p="http://schemas.openxmlformats.org/presentationml/2006/main">
   <p:cSld>
     <p:spTree>
@@ -12967,7 +13218,7 @@
           <a:p>
             <a:r>
               <a:rPr lang="en-US" dirty="0"/>
-              <a:t>Random Forest</a:t>
+              <a:t>Random Forest.</a:t>
             </a:r>
           </a:p>
           <a:p>
@@ -12984,18 +13235,6 @@
           </a:p>
           <a:p>
             <a:endParaRPr lang="en-US" dirty="0"/>
-          </a:p>
-          <a:p>
-            <a:r>
-              <a:rPr lang="en-US" dirty="0"/>
-              <a:t>Performance Metric:</a:t>
-            </a:r>
-          </a:p>
-          <a:p>
-            <a:r>
-              <a:rPr lang="en-US" dirty="0"/>
-              <a:t>F1-Score</a:t>
-            </a:r>
           </a:p>
         </p:txBody>
       </p:sp>
@@ -13012,7 +13251,111 @@
 </p:sld>
 </file>
 
-<file path=ppt/slides/slide6.xml><?xml version="1.0" encoding="utf-8"?>
+<file path=ppt/slides/slide8.xml><?xml version="1.0" encoding="utf-8"?>
+<p:sld xmlns:a="http://schemas.openxmlformats.org/drawingml/2006/main" xmlns:r="http://schemas.openxmlformats.org/officeDocument/2006/relationships" xmlns:p="http://schemas.openxmlformats.org/presentationml/2006/main">
+  <p:cSld>
+    <p:spTree>
+      <p:nvGrpSpPr>
+        <p:cNvPr id="1" name=""/>
+        <p:cNvGrpSpPr/>
+        <p:nvPr/>
+      </p:nvGrpSpPr>
+      <p:grpSpPr>
+        <a:xfrm>
+          <a:off x="0" y="0"/>
+          <a:ext cx="0" cy="0"/>
+          <a:chOff x="0" y="0"/>
+          <a:chExt cx="0" cy="0"/>
+        </a:xfrm>
+      </p:grpSpPr>
+      <p:sp>
+        <p:nvSpPr>
+          <p:cNvPr id="2" name="Title 1">
+            <a:extLst>
+              <a:ext uri="{FF2B5EF4-FFF2-40B4-BE49-F238E27FC236}">
+                <a16:creationId xmlns:a16="http://schemas.microsoft.com/office/drawing/2014/main" id="{B4CE79BE-2A2B-4C17-A7B4-29FBAACD8E11}"/>
+              </a:ext>
+            </a:extLst>
+          </p:cNvPr>
+          <p:cNvSpPr>
+            <a:spLocks noGrp="1"/>
+          </p:cNvSpPr>
+          <p:nvPr>
+            <p:ph type="title"/>
+          </p:nvPr>
+        </p:nvSpPr>
+        <p:spPr/>
+        <p:txBody>
+          <a:bodyPr/>
+          <a:lstStyle/>
+          <a:p>
+            <a:r>
+              <a:rPr lang="en-US" dirty="0"/>
+              <a:t>Performance Metric</a:t>
+            </a:r>
+          </a:p>
+        </p:txBody>
+      </p:sp>
+      <p:sp>
+        <p:nvSpPr>
+          <p:cNvPr id="3" name="Content Placeholder 2">
+            <a:extLst>
+              <a:ext uri="{FF2B5EF4-FFF2-40B4-BE49-F238E27FC236}">
+                <a16:creationId xmlns:a16="http://schemas.microsoft.com/office/drawing/2014/main" id="{86D2A782-8C56-40DA-BA5B-50E99F1F190A}"/>
+              </a:ext>
+            </a:extLst>
+          </p:cNvPr>
+          <p:cNvSpPr>
+            <a:spLocks noGrp="1"/>
+          </p:cNvSpPr>
+          <p:nvPr>
+            <p:ph idx="1"/>
+          </p:nvPr>
+        </p:nvSpPr>
+        <p:spPr/>
+        <p:txBody>
+          <a:bodyPr/>
+          <a:lstStyle/>
+          <a:p>
+            <a:pPr marL="0" indent="0">
+              <a:buNone/>
+            </a:pPr>
+            <a:r>
+              <a:rPr lang="en-US" dirty="0"/>
+              <a:t>Performance metric is chosen based on various considerations:</a:t>
+            </a:r>
+          </a:p>
+          <a:p>
+            <a:endParaRPr lang="en-US" dirty="0"/>
+          </a:p>
+          <a:p>
+            <a:r>
+              <a:rPr lang="en-US" dirty="0"/>
+              <a:t>Based on type of problem - Regression/Classification.</a:t>
+            </a:r>
+          </a:p>
+          <a:p>
+            <a:r>
+              <a:rPr lang="en-US" dirty="0"/>
+              <a:t>Balanced/Imbalanced Class problem.</a:t>
+            </a:r>
+          </a:p>
+        </p:txBody>
+      </p:sp>
+    </p:spTree>
+    <p:extLst>
+      <p:ext uri="{BB962C8B-B14F-4D97-AF65-F5344CB8AC3E}">
+        <p14:creationId xmlns:p14="http://schemas.microsoft.com/office/powerpoint/2010/main" val="2302723853"/>
+      </p:ext>
+    </p:extLst>
+  </p:cSld>
+  <p:clrMapOvr>
+    <a:masterClrMapping/>
+  </p:clrMapOvr>
+</p:sld>
+</file>
+
+<file path=ppt/slides/slide9.xml><?xml version="1.0" encoding="utf-8"?>
 <p:sld xmlns:a="http://schemas.openxmlformats.org/drawingml/2006/main" xmlns:r="http://schemas.openxmlformats.org/officeDocument/2006/relationships" xmlns:p="http://schemas.openxmlformats.org/presentationml/2006/main">
   <p:cSld>
     <p:spTree>
